--- a/同來讚美.pptx
+++ b/同來讚美.pptx
@@ -7,7 +7,8 @@
   <p:sldIdLst>
     <p:sldId id="256" r:id="rId2"/>
     <p:sldId id="257" r:id="rId3"/>
-    <p:sldId id="258" r:id="rId4"/>
+    <p:sldId id="259" r:id="rId4"/>
+    <p:sldId id="258" r:id="rId5"/>
   </p:sldIdLst>
   <p:sldSz cx="9144000" cy="6858000" type="screen4x3"/>
   <p:notesSz cx="6858000" cy="9144000"/>
@@ -290,7 +291,8 @@
           <a:p>
             <a:fld id="{F449C270-FC28-4AC5-8AFF-223843BA4068}" type="datetimeFigureOut">
               <a:rPr lang="zh-TW" altLang="en-US" smtClean="0"/>
-              <a:t>2018/6/23</a:t>
+              <a:pPr/>
+              <a:t>2019/3/16</a:t>
             </a:fld>
             <a:endParaRPr lang="zh-TW" altLang="en-US"/>
           </a:p>
@@ -332,6 +334,7 @@
           <a:p>
             <a:fld id="{9D62D570-B710-45F1-BB64-7FCC65B12029}" type="slidenum">
               <a:rPr lang="zh-TW" altLang="en-US" smtClean="0"/>
+              <a:pPr/>
               <a:t>‹#›</a:t>
             </a:fld>
             <a:endParaRPr lang="zh-TW" altLang="en-US"/>
@@ -455,7 +458,8 @@
           <a:p>
             <a:fld id="{F449C270-FC28-4AC5-8AFF-223843BA4068}" type="datetimeFigureOut">
               <a:rPr lang="zh-TW" altLang="en-US" smtClean="0"/>
-              <a:t>2018/6/23</a:t>
+              <a:pPr/>
+              <a:t>2019/3/16</a:t>
             </a:fld>
             <a:endParaRPr lang="zh-TW" altLang="en-US"/>
           </a:p>
@@ -497,6 +501,7 @@
           <a:p>
             <a:fld id="{9D62D570-B710-45F1-BB64-7FCC65B12029}" type="slidenum">
               <a:rPr lang="zh-TW" altLang="en-US" smtClean="0"/>
+              <a:pPr/>
               <a:t>‹#›</a:t>
             </a:fld>
             <a:endParaRPr lang="zh-TW" altLang="en-US"/>
@@ -630,7 +635,8 @@
           <a:p>
             <a:fld id="{F449C270-FC28-4AC5-8AFF-223843BA4068}" type="datetimeFigureOut">
               <a:rPr lang="zh-TW" altLang="en-US" smtClean="0"/>
-              <a:t>2018/6/23</a:t>
+              <a:pPr/>
+              <a:t>2019/3/16</a:t>
             </a:fld>
             <a:endParaRPr lang="zh-TW" altLang="en-US"/>
           </a:p>
@@ -672,6 +678,7 @@
           <a:p>
             <a:fld id="{9D62D570-B710-45F1-BB64-7FCC65B12029}" type="slidenum">
               <a:rPr lang="zh-TW" altLang="en-US" smtClean="0"/>
+              <a:pPr/>
               <a:t>‹#›</a:t>
             </a:fld>
             <a:endParaRPr lang="zh-TW" altLang="en-US"/>
@@ -795,7 +802,8 @@
           <a:p>
             <a:fld id="{F449C270-FC28-4AC5-8AFF-223843BA4068}" type="datetimeFigureOut">
               <a:rPr lang="zh-TW" altLang="en-US" smtClean="0"/>
-              <a:t>2018/6/23</a:t>
+              <a:pPr/>
+              <a:t>2019/3/16</a:t>
             </a:fld>
             <a:endParaRPr lang="zh-TW" altLang="en-US"/>
           </a:p>
@@ -837,6 +845,7 @@
           <a:p>
             <a:fld id="{9D62D570-B710-45F1-BB64-7FCC65B12029}" type="slidenum">
               <a:rPr lang="zh-TW" altLang="en-US" smtClean="0"/>
+              <a:pPr/>
               <a:t>‹#›</a:t>
             </a:fld>
             <a:endParaRPr lang="zh-TW" altLang="en-US"/>
@@ -1036,7 +1045,8 @@
           <a:p>
             <a:fld id="{F449C270-FC28-4AC5-8AFF-223843BA4068}" type="datetimeFigureOut">
               <a:rPr lang="zh-TW" altLang="en-US" smtClean="0"/>
-              <a:t>2018/6/23</a:t>
+              <a:pPr/>
+              <a:t>2019/3/16</a:t>
             </a:fld>
             <a:endParaRPr lang="zh-TW" altLang="en-US"/>
           </a:p>
@@ -1078,6 +1088,7 @@
           <a:p>
             <a:fld id="{9D62D570-B710-45F1-BB64-7FCC65B12029}" type="slidenum">
               <a:rPr lang="zh-TW" altLang="en-US" smtClean="0"/>
+              <a:pPr/>
               <a:t>‹#›</a:t>
             </a:fld>
             <a:endParaRPr lang="zh-TW" altLang="en-US"/>
@@ -1319,7 +1330,8 @@
           <a:p>
             <a:fld id="{F449C270-FC28-4AC5-8AFF-223843BA4068}" type="datetimeFigureOut">
               <a:rPr lang="zh-TW" altLang="en-US" smtClean="0"/>
-              <a:t>2018/6/23</a:t>
+              <a:pPr/>
+              <a:t>2019/3/16</a:t>
             </a:fld>
             <a:endParaRPr lang="zh-TW" altLang="en-US"/>
           </a:p>
@@ -1361,6 +1373,7 @@
           <a:p>
             <a:fld id="{9D62D570-B710-45F1-BB64-7FCC65B12029}" type="slidenum">
               <a:rPr lang="zh-TW" altLang="en-US" smtClean="0"/>
+              <a:pPr/>
               <a:t>‹#›</a:t>
             </a:fld>
             <a:endParaRPr lang="zh-TW" altLang="en-US"/>
@@ -1736,7 +1749,8 @@
           <a:p>
             <a:fld id="{F449C270-FC28-4AC5-8AFF-223843BA4068}" type="datetimeFigureOut">
               <a:rPr lang="zh-TW" altLang="en-US" smtClean="0"/>
-              <a:t>2018/6/23</a:t>
+              <a:pPr/>
+              <a:t>2019/3/16</a:t>
             </a:fld>
             <a:endParaRPr lang="zh-TW" altLang="en-US"/>
           </a:p>
@@ -1778,6 +1792,7 @@
           <a:p>
             <a:fld id="{9D62D570-B710-45F1-BB64-7FCC65B12029}" type="slidenum">
               <a:rPr lang="zh-TW" altLang="en-US" smtClean="0"/>
+              <a:pPr/>
               <a:t>‹#›</a:t>
             </a:fld>
             <a:endParaRPr lang="zh-TW" altLang="en-US"/>
@@ -1849,7 +1864,8 @@
           <a:p>
             <a:fld id="{F449C270-FC28-4AC5-8AFF-223843BA4068}" type="datetimeFigureOut">
               <a:rPr lang="zh-TW" altLang="en-US" smtClean="0"/>
-              <a:t>2018/6/23</a:t>
+              <a:pPr/>
+              <a:t>2019/3/16</a:t>
             </a:fld>
             <a:endParaRPr lang="zh-TW" altLang="en-US"/>
           </a:p>
@@ -1891,6 +1907,7 @@
           <a:p>
             <a:fld id="{9D62D570-B710-45F1-BB64-7FCC65B12029}" type="slidenum">
               <a:rPr lang="zh-TW" altLang="en-US" smtClean="0"/>
+              <a:pPr/>
               <a:t>‹#›</a:t>
             </a:fld>
             <a:endParaRPr lang="zh-TW" altLang="en-US"/>
@@ -1939,7 +1956,8 @@
           <a:p>
             <a:fld id="{F449C270-FC28-4AC5-8AFF-223843BA4068}" type="datetimeFigureOut">
               <a:rPr lang="zh-TW" altLang="en-US" smtClean="0"/>
-              <a:t>2018/6/23</a:t>
+              <a:pPr/>
+              <a:t>2019/3/16</a:t>
             </a:fld>
             <a:endParaRPr lang="zh-TW" altLang="en-US"/>
           </a:p>
@@ -1981,6 +1999,7 @@
           <a:p>
             <a:fld id="{9D62D570-B710-45F1-BB64-7FCC65B12029}" type="slidenum">
               <a:rPr lang="zh-TW" altLang="en-US" smtClean="0"/>
+              <a:pPr/>
               <a:t>‹#›</a:t>
             </a:fld>
             <a:endParaRPr lang="zh-TW" altLang="en-US"/>
@@ -2211,7 +2230,8 @@
           <a:p>
             <a:fld id="{F449C270-FC28-4AC5-8AFF-223843BA4068}" type="datetimeFigureOut">
               <a:rPr lang="zh-TW" altLang="en-US" smtClean="0"/>
-              <a:t>2018/6/23</a:t>
+              <a:pPr/>
+              <a:t>2019/3/16</a:t>
             </a:fld>
             <a:endParaRPr lang="zh-TW" altLang="en-US"/>
           </a:p>
@@ -2253,6 +2273,7 @@
           <a:p>
             <a:fld id="{9D62D570-B710-45F1-BB64-7FCC65B12029}" type="slidenum">
               <a:rPr lang="zh-TW" altLang="en-US" smtClean="0"/>
+              <a:pPr/>
               <a:t>‹#›</a:t>
             </a:fld>
             <a:endParaRPr lang="zh-TW" altLang="en-US"/>
@@ -2463,7 +2484,8 @@
           <a:p>
             <a:fld id="{F449C270-FC28-4AC5-8AFF-223843BA4068}" type="datetimeFigureOut">
               <a:rPr lang="zh-TW" altLang="en-US" smtClean="0"/>
-              <a:t>2018/6/23</a:t>
+              <a:pPr/>
+              <a:t>2019/3/16</a:t>
             </a:fld>
             <a:endParaRPr lang="zh-TW" altLang="en-US"/>
           </a:p>
@@ -2505,6 +2527,7 @@
           <a:p>
             <a:fld id="{9D62D570-B710-45F1-BB64-7FCC65B12029}" type="slidenum">
               <a:rPr lang="zh-TW" altLang="en-US" smtClean="0"/>
+              <a:pPr/>
               <a:t>‹#›</a:t>
             </a:fld>
             <a:endParaRPr lang="zh-TW" altLang="en-US"/>
@@ -2676,7 +2699,8 @@
           <a:p>
             <a:fld id="{F449C270-FC28-4AC5-8AFF-223843BA4068}" type="datetimeFigureOut">
               <a:rPr lang="zh-TW" altLang="en-US" smtClean="0"/>
-              <a:t>2018/6/23</a:t>
+              <a:pPr/>
+              <a:t>2019/3/16</a:t>
             </a:fld>
             <a:endParaRPr lang="zh-TW" altLang="en-US"/>
           </a:p>
@@ -2754,6 +2778,7 @@
           <a:p>
             <a:fld id="{9D62D570-B710-45F1-BB64-7FCC65B12029}" type="slidenum">
               <a:rPr lang="zh-TW" altLang="en-US" smtClean="0"/>
+              <a:pPr/>
               <a:t>‹#›</a:t>
             </a:fld>
             <a:endParaRPr lang="zh-TW" altLang="en-US"/>
@@ -3218,7 +3243,47 @@
               </a:rPr>
               <a:t>唱</a:t>
             </a:r>
-            <a:endParaRPr lang="en-US" altLang="zh-TW" sz="5400" b="1" dirty="0" smtClean="0">
+            <a:r>
+              <a:rPr lang="en-US" altLang="zh-TW" sz="5400" b="1" dirty="0" smtClean="0">
+                <a:solidFill>
+                  <a:srgbClr val="000066"/>
+                </a:solidFill>
+                <a:latin typeface="微軟正黑體" pitchFamily="34" charset="-120"/>
+                <a:ea typeface="微軟正黑體" pitchFamily="34" charset="-120"/>
+              </a:rPr>
+              <a:t>  </a:t>
+            </a:r>
+            <a:r>
+              <a:rPr lang="zh-TW" altLang="en-US" sz="5400" b="1" dirty="0" smtClean="0">
+                <a:solidFill>
+                  <a:srgbClr val="000066"/>
+                </a:solidFill>
+                <a:latin typeface="微軟正黑體" pitchFamily="34" charset="-120"/>
+                <a:ea typeface="微軟正黑體" pitchFamily="34" charset="-120"/>
+              </a:rPr>
+              <a:t>哈</a:t>
+            </a:r>
+            <a:r>
+              <a:rPr lang="zh-TW" altLang="en-US" sz="5400" b="1" dirty="0">
+                <a:solidFill>
+                  <a:srgbClr val="000066"/>
+                </a:solidFill>
+                <a:latin typeface="微軟正黑體" pitchFamily="34" charset="-120"/>
+                <a:ea typeface="微軟正黑體" pitchFamily="34" charset="-120"/>
+              </a:rPr>
+              <a:t>利路</a:t>
+            </a:r>
+            <a:r>
+              <a:rPr lang="zh-TW" altLang="en-US" sz="5400" b="1" dirty="0" smtClean="0">
+                <a:solidFill>
+                  <a:srgbClr val="000066"/>
+                </a:solidFill>
+                <a:latin typeface="微軟正黑體" pitchFamily="34" charset="-120"/>
+                <a:ea typeface="微軟正黑體" pitchFamily="34" charset="-120"/>
+              </a:rPr>
+              <a:t>亞  </a:t>
+            </a:r>
+            <a:endParaRPr lang="en-US" altLang="zh-TW" sz="5400" b="1" smtClean="0">
               <a:solidFill>
                 <a:srgbClr val="000066"/>
               </a:solidFill>
@@ -3231,34 +3296,14 @@
               <a:buNone/>
             </a:pPr>
             <a:r>
-              <a:rPr lang="zh-TW" altLang="en-US" sz="5400" b="1" dirty="0" smtClean="0">
-                <a:solidFill>
-                  <a:srgbClr val="000066"/>
-                </a:solidFill>
-                <a:latin typeface="微軟正黑體" pitchFamily="34" charset="-120"/>
-                <a:ea typeface="微軟正黑體" pitchFamily="34" charset="-120"/>
-              </a:rPr>
-              <a:t>哈</a:t>
-            </a:r>
-            <a:r>
-              <a:rPr lang="zh-TW" altLang="en-US" sz="5400" b="1" dirty="0">
-                <a:solidFill>
-                  <a:srgbClr val="000066"/>
-                </a:solidFill>
-                <a:latin typeface="微軟正黑體" pitchFamily="34" charset="-120"/>
-                <a:ea typeface="微軟正黑體" pitchFamily="34" charset="-120"/>
-              </a:rPr>
-              <a:t>利路</a:t>
-            </a:r>
-            <a:r>
-              <a:rPr lang="zh-TW" altLang="en-US" sz="5400" b="1" dirty="0" smtClean="0">
-                <a:solidFill>
-                  <a:srgbClr val="000066"/>
-                </a:solidFill>
-                <a:latin typeface="微軟正黑體" pitchFamily="34" charset="-120"/>
-                <a:ea typeface="微軟正黑體" pitchFamily="34" charset="-120"/>
-              </a:rPr>
-              <a:t>亞  唱</a:t>
+              <a:rPr lang="zh-TW" altLang="en-US" sz="5400" b="1" smtClean="0">
+                <a:solidFill>
+                  <a:srgbClr val="000066"/>
+                </a:solidFill>
+                <a:latin typeface="微軟正黑體" pitchFamily="34" charset="-120"/>
+                <a:ea typeface="微軟正黑體" pitchFamily="34" charset="-120"/>
+              </a:rPr>
+              <a:t>唱</a:t>
             </a:r>
             <a:r>
               <a:rPr lang="zh-TW" altLang="en-US" sz="5400" b="1" dirty="0">
@@ -3471,6 +3516,365 @@
 </file>
 
 <file path=ppt/slides/slide3.xml><?xml version="1.0" encoding="utf-8"?>
+<p:sld xmlns:a="http://schemas.openxmlformats.org/drawingml/2006/main" xmlns:r="http://schemas.openxmlformats.org/officeDocument/2006/relationships" xmlns:p="http://schemas.openxmlformats.org/presentationml/2006/main">
+  <p:cSld>
+    <p:spTree>
+      <p:nvGrpSpPr>
+        <p:cNvPr id="1" name=""/>
+        <p:cNvGrpSpPr/>
+        <p:nvPr/>
+      </p:nvGrpSpPr>
+      <p:grpSpPr>
+        <a:xfrm>
+          <a:off x="0" y="0"/>
+          <a:ext cx="0" cy="0"/>
+          <a:chOff x="0" y="0"/>
+          <a:chExt cx="0" cy="0"/>
+        </a:xfrm>
+      </p:grpSpPr>
+      <p:sp>
+        <p:nvSpPr>
+          <p:cNvPr id="4" name="標題 3"/>
+          <p:cNvSpPr>
+            <a:spLocks noGrp="1"/>
+          </p:cNvSpPr>
+          <p:nvPr>
+            <p:ph type="title"/>
+          </p:nvPr>
+        </p:nvSpPr>
+        <p:spPr/>
+        <p:txBody>
+          <a:bodyPr/>
+          <a:lstStyle/>
+          <a:p>
+            <a:r>
+              <a:rPr lang="zh-TW" altLang="en-US" b="1" dirty="0">
+                <a:solidFill>
+                  <a:srgbClr val="000066"/>
+                </a:solidFill>
+                <a:latin typeface="微軟正黑體" pitchFamily="34" charset="-120"/>
+                <a:ea typeface="微軟正黑體" pitchFamily="34" charset="-120"/>
+              </a:rPr>
+              <a:t>同來讚美</a:t>
+            </a:r>
+          </a:p>
+        </p:txBody>
+      </p:sp>
+      <p:sp>
+        <p:nvSpPr>
+          <p:cNvPr id="5" name="內容版面配置區 4"/>
+          <p:cNvSpPr>
+            <a:spLocks noGrp="1"/>
+          </p:cNvSpPr>
+          <p:nvPr>
+            <p:ph idx="1"/>
+          </p:nvPr>
+        </p:nvSpPr>
+        <p:spPr/>
+        <p:txBody>
+          <a:bodyPr>
+            <a:noAutofit/>
+          </a:bodyPr>
+          <a:lstStyle/>
+          <a:p>
+            <a:pPr algn="ctr">
+              <a:buNone/>
+            </a:pPr>
+            <a:r>
+              <a:rPr lang="zh-TW" altLang="en-US" sz="5400" b="1" dirty="0">
+                <a:solidFill>
+                  <a:srgbClr val="000066"/>
+                </a:solidFill>
+                <a:latin typeface="微軟正黑體" pitchFamily="34" charset="-120"/>
+                <a:ea typeface="微軟正黑體" pitchFamily="34" charset="-120"/>
+              </a:rPr>
+              <a:t>同來讚美齊</a:t>
+            </a:r>
+            <a:r>
+              <a:rPr lang="zh-TW" altLang="en-US" sz="5400" b="1" dirty="0" smtClean="0">
+                <a:solidFill>
+                  <a:srgbClr val="000066"/>
+                </a:solidFill>
+                <a:latin typeface="微軟正黑體" pitchFamily="34" charset="-120"/>
+                <a:ea typeface="微軟正黑體" pitchFamily="34" charset="-120"/>
+              </a:rPr>
+              <a:t>共</a:t>
+            </a:r>
+            <a:r>
+              <a:rPr lang="zh-CN" altLang="en-US" sz="5400" b="1" dirty="0" smtClean="0">
+                <a:solidFill>
+                  <a:srgbClr val="000066"/>
+                </a:solidFill>
+                <a:latin typeface="微軟正黑體" pitchFamily="34" charset="-120"/>
+                <a:ea typeface="微軟正黑體" pitchFamily="34" charset="-120"/>
+              </a:rPr>
+              <a:t>跳</a:t>
+            </a:r>
+            <a:r>
+              <a:rPr lang="zh-TW" altLang="en-US" sz="5400" b="1" dirty="0" smtClean="0">
+                <a:solidFill>
+                  <a:srgbClr val="000066"/>
+                </a:solidFill>
+                <a:latin typeface="微軟正黑體" pitchFamily="34" charset="-120"/>
+                <a:ea typeface="微軟正黑體" pitchFamily="34" charset="-120"/>
+              </a:rPr>
+              <a:t>  </a:t>
+            </a:r>
+            <a:r>
+              <a:rPr lang="zh-TW" altLang="en-US" sz="5400" b="1" dirty="0" smtClean="0">
+                <a:solidFill>
+                  <a:srgbClr val="000066"/>
+                </a:solidFill>
+                <a:latin typeface="微軟正黑體" pitchFamily="34" charset="-120"/>
+                <a:ea typeface="微軟正黑體" pitchFamily="34" charset="-120"/>
+              </a:rPr>
+              <a:t>哈</a:t>
+            </a:r>
+            <a:r>
+              <a:rPr lang="zh-TW" altLang="en-US" sz="5400" b="1" dirty="0">
+                <a:solidFill>
+                  <a:srgbClr val="000066"/>
+                </a:solidFill>
+                <a:latin typeface="微軟正黑體" pitchFamily="34" charset="-120"/>
+                <a:ea typeface="微軟正黑體" pitchFamily="34" charset="-120"/>
+              </a:rPr>
+              <a:t>利路</a:t>
+            </a:r>
+            <a:r>
+              <a:rPr lang="zh-TW" altLang="en-US" sz="5400" b="1" dirty="0" smtClean="0">
+                <a:solidFill>
+                  <a:srgbClr val="000066"/>
+                </a:solidFill>
+                <a:latin typeface="微軟正黑體" pitchFamily="34" charset="-120"/>
+                <a:ea typeface="微軟正黑體" pitchFamily="34" charset="-120"/>
+              </a:rPr>
+              <a:t>亞</a:t>
+            </a:r>
+            <a:endParaRPr lang="en-US" altLang="zh-TW" sz="5400" b="1" dirty="0" smtClean="0">
+              <a:solidFill>
+                <a:srgbClr val="000066"/>
+              </a:solidFill>
+              <a:latin typeface="微軟正黑體" pitchFamily="34" charset="-120"/>
+              <a:ea typeface="微軟正黑體" pitchFamily="34" charset="-120"/>
+            </a:endParaRPr>
+          </a:p>
+          <a:p>
+            <a:pPr algn="ctr">
+              <a:buNone/>
+            </a:pPr>
+            <a:r>
+              <a:rPr lang="zh-CN" altLang="en-US" sz="5400" b="1" dirty="0" smtClean="0">
+                <a:solidFill>
+                  <a:srgbClr val="000066"/>
+                </a:solidFill>
+                <a:latin typeface="微軟正黑體" pitchFamily="34" charset="-120"/>
+                <a:ea typeface="微軟正黑體" pitchFamily="34" charset="-120"/>
+              </a:rPr>
+              <a:t>跳</a:t>
+            </a:r>
+            <a:r>
+              <a:rPr lang="zh-TW" altLang="en-US" sz="5400" b="1" dirty="0" smtClean="0">
+                <a:solidFill>
+                  <a:srgbClr val="000066"/>
+                </a:solidFill>
+                <a:latin typeface="微軟正黑體" pitchFamily="34" charset="-120"/>
+                <a:ea typeface="微軟正黑體" pitchFamily="34" charset="-120"/>
+              </a:rPr>
+              <a:t>出</a:t>
+            </a:r>
+            <a:r>
+              <a:rPr lang="zh-TW" altLang="en-US" sz="5400" b="1" dirty="0">
+                <a:solidFill>
+                  <a:srgbClr val="000066"/>
+                </a:solidFill>
+                <a:latin typeface="微軟正黑體" pitchFamily="34" charset="-120"/>
+                <a:ea typeface="微軟正黑體" pitchFamily="34" charset="-120"/>
+              </a:rPr>
+              <a:t>生命</a:t>
+            </a:r>
+            <a:r>
+              <a:rPr lang="zh-TW" altLang="en-US" sz="5400" b="1" dirty="0" smtClean="0">
+                <a:solidFill>
+                  <a:srgbClr val="000066"/>
+                </a:solidFill>
+                <a:latin typeface="微軟正黑體" pitchFamily="34" charset="-120"/>
+                <a:ea typeface="微軟正黑體" pitchFamily="34" charset="-120"/>
+              </a:rPr>
+              <a:t>的</a:t>
+            </a:r>
+            <a:r>
+              <a:rPr lang="zh-CN" altLang="en-US" sz="5400" b="1" dirty="0" smtClean="0">
+                <a:solidFill>
+                  <a:srgbClr val="000066"/>
+                </a:solidFill>
+                <a:latin typeface="微軟正黑體" pitchFamily="34" charset="-120"/>
+                <a:ea typeface="微軟正黑體" pitchFamily="34" charset="-120"/>
+              </a:rPr>
+              <a:t>舞</a:t>
+            </a:r>
+            <a:endParaRPr lang="en-US" altLang="zh-TW" sz="5400" b="1" dirty="0" smtClean="0">
+              <a:solidFill>
+                <a:srgbClr val="000066"/>
+              </a:solidFill>
+              <a:latin typeface="微軟正黑體" pitchFamily="34" charset="-120"/>
+              <a:ea typeface="微軟正黑體" pitchFamily="34" charset="-120"/>
+            </a:endParaRPr>
+          </a:p>
+          <a:p>
+            <a:pPr algn="ctr">
+              <a:buNone/>
+            </a:pPr>
+            <a:r>
+              <a:rPr lang="zh-TW" altLang="en-US" sz="5400" b="1" dirty="0" smtClean="0">
+                <a:solidFill>
+                  <a:srgbClr val="000066"/>
+                </a:solidFill>
+                <a:latin typeface="微軟正黑體" pitchFamily="34" charset="-120"/>
+                <a:ea typeface="微軟正黑體" pitchFamily="34" charset="-120"/>
+              </a:rPr>
+              <a:t>同</a:t>
+            </a:r>
+            <a:r>
+              <a:rPr lang="zh-TW" altLang="en-US" sz="5400" b="1" dirty="0">
+                <a:solidFill>
+                  <a:srgbClr val="000066"/>
+                </a:solidFill>
+                <a:latin typeface="微軟正黑體" pitchFamily="34" charset="-120"/>
+                <a:ea typeface="微軟正黑體" pitchFamily="34" charset="-120"/>
+              </a:rPr>
+              <a:t>來讚美齊</a:t>
+            </a:r>
+            <a:r>
+              <a:rPr lang="zh-TW" altLang="en-US" sz="5400" b="1" dirty="0" smtClean="0">
+                <a:solidFill>
+                  <a:srgbClr val="000066"/>
+                </a:solidFill>
+                <a:latin typeface="微軟正黑體" pitchFamily="34" charset="-120"/>
+                <a:ea typeface="微軟正黑體" pitchFamily="34" charset="-120"/>
+              </a:rPr>
+              <a:t>共</a:t>
+            </a:r>
+            <a:r>
+              <a:rPr lang="zh-CN" altLang="en-US" sz="5400" b="1" dirty="0" smtClean="0">
+                <a:solidFill>
+                  <a:srgbClr val="000066"/>
+                </a:solidFill>
+                <a:latin typeface="微軟正黑體" pitchFamily="34" charset="-120"/>
+                <a:ea typeface="微軟正黑體" pitchFamily="34" charset="-120"/>
+              </a:rPr>
+              <a:t>跳</a:t>
+            </a:r>
+            <a:r>
+              <a:rPr lang="en-US" altLang="zh-CN" sz="5400" b="1" dirty="0" smtClean="0">
+                <a:solidFill>
+                  <a:srgbClr val="000066"/>
+                </a:solidFill>
+                <a:latin typeface="微軟正黑體" pitchFamily="34" charset="-120"/>
+                <a:ea typeface="微軟正黑體" pitchFamily="34" charset="-120"/>
+              </a:rPr>
+              <a:t>  </a:t>
+            </a:r>
+            <a:r>
+              <a:rPr lang="zh-TW" altLang="en-US" sz="5400" b="1" dirty="0" smtClean="0">
+                <a:solidFill>
+                  <a:srgbClr val="000066"/>
+                </a:solidFill>
+                <a:latin typeface="微軟正黑體" pitchFamily="34" charset="-120"/>
+                <a:ea typeface="微軟正黑體" pitchFamily="34" charset="-120"/>
+              </a:rPr>
+              <a:t>哈</a:t>
+            </a:r>
+            <a:r>
+              <a:rPr lang="zh-TW" altLang="en-US" sz="5400" b="1" dirty="0">
+                <a:solidFill>
+                  <a:srgbClr val="000066"/>
+                </a:solidFill>
+                <a:latin typeface="微軟正黑體" pitchFamily="34" charset="-120"/>
+                <a:ea typeface="微軟正黑體" pitchFamily="34" charset="-120"/>
+              </a:rPr>
+              <a:t>利路</a:t>
+            </a:r>
+            <a:r>
+              <a:rPr lang="zh-TW" altLang="en-US" sz="5400" b="1" dirty="0" smtClean="0">
+                <a:solidFill>
+                  <a:srgbClr val="000066"/>
+                </a:solidFill>
+                <a:latin typeface="微軟正黑體" pitchFamily="34" charset="-120"/>
+                <a:ea typeface="微軟正黑體" pitchFamily="34" charset="-120"/>
+              </a:rPr>
+              <a:t>亞</a:t>
+            </a:r>
+            <a:endParaRPr lang="en-US" altLang="zh-TW" sz="5400" b="1" dirty="0" smtClean="0">
+              <a:solidFill>
+                <a:srgbClr val="000066"/>
+              </a:solidFill>
+              <a:latin typeface="微軟正黑體" pitchFamily="34" charset="-120"/>
+              <a:ea typeface="微軟正黑體" pitchFamily="34" charset="-120"/>
+            </a:endParaRPr>
+          </a:p>
+          <a:p>
+            <a:pPr algn="ctr">
+              <a:buNone/>
+            </a:pPr>
+            <a:r>
+              <a:rPr lang="zh-CN" altLang="en-US" sz="5400" b="1" dirty="0" smtClean="0">
+                <a:solidFill>
+                  <a:srgbClr val="000066"/>
+                </a:solidFill>
+                <a:latin typeface="微軟正黑體" pitchFamily="34" charset="-120"/>
+                <a:ea typeface="微軟正黑體" pitchFamily="34" charset="-120"/>
+              </a:rPr>
+              <a:t>跳</a:t>
+            </a:r>
+            <a:r>
+              <a:rPr lang="zh-TW" altLang="en-US" sz="5400" b="1" dirty="0" smtClean="0">
+                <a:solidFill>
+                  <a:srgbClr val="000066"/>
+                </a:solidFill>
+                <a:latin typeface="微軟正黑體" pitchFamily="34" charset="-120"/>
+                <a:ea typeface="微軟正黑體" pitchFamily="34" charset="-120"/>
+              </a:rPr>
+              <a:t>出</a:t>
+            </a:r>
+            <a:r>
+              <a:rPr lang="zh-TW" altLang="en-US" sz="5400" b="1" dirty="0">
+                <a:solidFill>
+                  <a:srgbClr val="000066"/>
+                </a:solidFill>
+                <a:latin typeface="微軟正黑體" pitchFamily="34" charset="-120"/>
+                <a:ea typeface="微軟正黑體" pitchFamily="34" charset="-120"/>
+              </a:rPr>
+              <a:t>生命的</a:t>
+            </a:r>
+            <a:r>
+              <a:rPr lang="zh-TW" altLang="en-US" sz="5400" b="1" dirty="0" smtClean="0">
+                <a:solidFill>
+                  <a:srgbClr val="000066"/>
+                </a:solidFill>
+                <a:latin typeface="微軟正黑體" pitchFamily="34" charset="-120"/>
+                <a:ea typeface="微軟正黑體" pitchFamily="34" charset="-120"/>
+              </a:rPr>
+              <a:t>歌</a:t>
+            </a:r>
+            <a:endParaRPr lang="zh-TW" altLang="en-US" sz="5400" b="1" dirty="0">
+              <a:solidFill>
+                <a:srgbClr val="000066"/>
+              </a:solidFill>
+              <a:latin typeface="微軟正黑體" pitchFamily="34" charset="-120"/>
+              <a:ea typeface="微軟正黑體" pitchFamily="34" charset="-120"/>
+            </a:endParaRPr>
+          </a:p>
+        </p:txBody>
+      </p:sp>
+    </p:spTree>
+  </p:cSld>
+  <p:clrMapOvr>
+    <a:masterClrMapping/>
+  </p:clrMapOvr>
+</p:sld>
+</file>
+
+<file path=ppt/slides/slide4.xml><?xml version="1.0" encoding="utf-8"?>
 <p:sld xmlns:a="http://schemas.openxmlformats.org/drawingml/2006/main" xmlns:r="http://schemas.openxmlformats.org/officeDocument/2006/relationships" xmlns:p="http://schemas.openxmlformats.org/presentationml/2006/main">
   <p:cSld>
     <p:spTree>

--- a/同來讚美.pptx
+++ b/同來讚美.pptx
@@ -10,7 +10,7 @@
     <p:sldId id="259" r:id="rId4"/>
     <p:sldId id="258" r:id="rId5"/>
   </p:sldIdLst>
-  <p:sldSz cx="9144000" cy="6858000" type="screen4x3"/>
+  <p:sldSz cx="9144000" cy="5143500" type="screen16x9"/>
   <p:notesSz cx="6858000" cy="9144000"/>
   <p:defaultTextStyle>
     <a:defPPr>
@@ -139,8 +139,8 @@
         </p:nvSpPr>
         <p:spPr>
           <a:xfrm>
-            <a:off x="685800" y="2130425"/>
-            <a:ext cx="7772400" cy="1470025"/>
+            <a:off x="685800" y="1597819"/>
+            <a:ext cx="7772400" cy="1102519"/>
           </a:xfrm>
         </p:spPr>
         <p:txBody>
@@ -167,8 +167,8 @@
         </p:nvSpPr>
         <p:spPr>
           <a:xfrm>
-            <a:off x="1371600" y="3886200"/>
-            <a:ext cx="6400800" cy="1752600"/>
+            <a:off x="1371600" y="2914650"/>
+            <a:ext cx="6400800" cy="1314450"/>
           </a:xfrm>
         </p:spPr>
         <p:txBody>
@@ -292,7 +292,7 @@
             <a:fld id="{F449C270-FC28-4AC5-8AFF-223843BA4068}" type="datetimeFigureOut">
               <a:rPr lang="zh-TW" altLang="en-US" smtClean="0"/>
               <a:pPr/>
-              <a:t>2019/3/16</a:t>
+              <a:t>2019/9/7</a:t>
             </a:fld>
             <a:endParaRPr lang="zh-TW" altLang="en-US"/>
           </a:p>
@@ -459,7 +459,7 @@
             <a:fld id="{F449C270-FC28-4AC5-8AFF-223843BA4068}" type="datetimeFigureOut">
               <a:rPr lang="zh-TW" altLang="en-US" smtClean="0"/>
               <a:pPr/>
-              <a:t>2019/3/16</a:t>
+              <a:t>2019/9/7</a:t>
             </a:fld>
             <a:endParaRPr lang="zh-TW" altLang="en-US"/>
           </a:p>
@@ -545,8 +545,8 @@
         </p:nvSpPr>
         <p:spPr>
           <a:xfrm>
-            <a:off x="6629400" y="274638"/>
-            <a:ext cx="2057400" cy="5851525"/>
+            <a:off x="6629400" y="205979"/>
+            <a:ext cx="2057400" cy="4388644"/>
           </a:xfrm>
         </p:spPr>
         <p:txBody>
@@ -573,8 +573,8 @@
         </p:nvSpPr>
         <p:spPr>
           <a:xfrm>
-            <a:off x="457200" y="274638"/>
-            <a:ext cx="6019800" cy="5851525"/>
+            <a:off x="457200" y="205979"/>
+            <a:ext cx="6019800" cy="4388644"/>
           </a:xfrm>
         </p:spPr>
         <p:txBody>
@@ -636,7 +636,7 @@
             <a:fld id="{F449C270-FC28-4AC5-8AFF-223843BA4068}" type="datetimeFigureOut">
               <a:rPr lang="zh-TW" altLang="en-US" smtClean="0"/>
               <a:pPr/>
-              <a:t>2019/3/16</a:t>
+              <a:t>2019/9/7</a:t>
             </a:fld>
             <a:endParaRPr lang="zh-TW" altLang="en-US"/>
           </a:p>
@@ -803,7 +803,7 @@
             <a:fld id="{F449C270-FC28-4AC5-8AFF-223843BA4068}" type="datetimeFigureOut">
               <a:rPr lang="zh-TW" altLang="en-US" smtClean="0"/>
               <a:pPr/>
-              <a:t>2019/3/16</a:t>
+              <a:t>2019/9/7</a:t>
             </a:fld>
             <a:endParaRPr lang="zh-TW" altLang="en-US"/>
           </a:p>
@@ -889,8 +889,8 @@
         </p:nvSpPr>
         <p:spPr>
           <a:xfrm>
-            <a:off x="722313" y="4406900"/>
-            <a:ext cx="7772400" cy="1362075"/>
+            <a:off x="722313" y="3305176"/>
+            <a:ext cx="7772400" cy="1021556"/>
           </a:xfrm>
         </p:spPr>
         <p:txBody>
@@ -921,8 +921,8 @@
         </p:nvSpPr>
         <p:spPr>
           <a:xfrm>
-            <a:off x="722313" y="2906713"/>
-            <a:ext cx="7772400" cy="1500187"/>
+            <a:off x="722313" y="2180035"/>
+            <a:ext cx="7772400" cy="1125140"/>
           </a:xfrm>
         </p:spPr>
         <p:txBody>
@@ -1046,7 +1046,7 @@
             <a:fld id="{F449C270-FC28-4AC5-8AFF-223843BA4068}" type="datetimeFigureOut">
               <a:rPr lang="zh-TW" altLang="en-US" smtClean="0"/>
               <a:pPr/>
-              <a:t>2019/3/16</a:t>
+              <a:t>2019/9/7</a:t>
             </a:fld>
             <a:endParaRPr lang="zh-TW" altLang="en-US"/>
           </a:p>
@@ -1155,8 +1155,8 @@
         </p:nvSpPr>
         <p:spPr>
           <a:xfrm>
-            <a:off x="457200" y="1600200"/>
-            <a:ext cx="4038600" cy="4525963"/>
+            <a:off x="457200" y="1200151"/>
+            <a:ext cx="4038600" cy="3394472"/>
           </a:xfrm>
         </p:spPr>
         <p:txBody>
@@ -1240,8 +1240,8 @@
         </p:nvSpPr>
         <p:spPr>
           <a:xfrm>
-            <a:off x="4648200" y="1600200"/>
-            <a:ext cx="4038600" cy="4525963"/>
+            <a:off x="4648200" y="1200151"/>
+            <a:ext cx="4038600" cy="3394472"/>
           </a:xfrm>
         </p:spPr>
         <p:txBody>
@@ -1331,7 +1331,7 @@
             <a:fld id="{F449C270-FC28-4AC5-8AFF-223843BA4068}" type="datetimeFigureOut">
               <a:rPr lang="zh-TW" altLang="en-US" smtClean="0"/>
               <a:pPr/>
-              <a:t>2019/3/16</a:t>
+              <a:t>2019/9/7</a:t>
             </a:fld>
             <a:endParaRPr lang="zh-TW" altLang="en-US"/>
           </a:p>
@@ -1444,8 +1444,8 @@
         </p:nvSpPr>
         <p:spPr>
           <a:xfrm>
-            <a:off x="457200" y="1535113"/>
-            <a:ext cx="4040188" cy="639762"/>
+            <a:off x="457200" y="1151335"/>
+            <a:ext cx="4040188" cy="479822"/>
           </a:xfrm>
         </p:spPr>
         <p:txBody>
@@ -1509,8 +1509,8 @@
         </p:nvSpPr>
         <p:spPr>
           <a:xfrm>
-            <a:off x="457200" y="2174875"/>
-            <a:ext cx="4040188" cy="3951288"/>
+            <a:off x="457200" y="1631156"/>
+            <a:ext cx="4040188" cy="2963466"/>
           </a:xfrm>
         </p:spPr>
         <p:txBody>
@@ -1594,8 +1594,8 @@
         </p:nvSpPr>
         <p:spPr>
           <a:xfrm>
-            <a:off x="4645025" y="1535113"/>
-            <a:ext cx="4041775" cy="639762"/>
+            <a:off x="4645026" y="1151335"/>
+            <a:ext cx="4041775" cy="479822"/>
           </a:xfrm>
         </p:spPr>
         <p:txBody>
@@ -1659,8 +1659,8 @@
         </p:nvSpPr>
         <p:spPr>
           <a:xfrm>
-            <a:off x="4645025" y="2174875"/>
-            <a:ext cx="4041775" cy="3951288"/>
+            <a:off x="4645026" y="1631156"/>
+            <a:ext cx="4041775" cy="2963466"/>
           </a:xfrm>
         </p:spPr>
         <p:txBody>
@@ -1750,7 +1750,7 @@
             <a:fld id="{F449C270-FC28-4AC5-8AFF-223843BA4068}" type="datetimeFigureOut">
               <a:rPr lang="zh-TW" altLang="en-US" smtClean="0"/>
               <a:pPr/>
-              <a:t>2019/3/16</a:t>
+              <a:t>2019/9/7</a:t>
             </a:fld>
             <a:endParaRPr lang="zh-TW" altLang="en-US"/>
           </a:p>
@@ -1865,7 +1865,7 @@
             <a:fld id="{F449C270-FC28-4AC5-8AFF-223843BA4068}" type="datetimeFigureOut">
               <a:rPr lang="zh-TW" altLang="en-US" smtClean="0"/>
               <a:pPr/>
-              <a:t>2019/3/16</a:t>
+              <a:t>2019/9/7</a:t>
             </a:fld>
             <a:endParaRPr lang="zh-TW" altLang="en-US"/>
           </a:p>
@@ -1957,7 +1957,7 @@
             <a:fld id="{F449C270-FC28-4AC5-8AFF-223843BA4068}" type="datetimeFigureOut">
               <a:rPr lang="zh-TW" altLang="en-US" smtClean="0"/>
               <a:pPr/>
-              <a:t>2019/3/16</a:t>
+              <a:t>2019/9/7</a:t>
             </a:fld>
             <a:endParaRPr lang="zh-TW" altLang="en-US"/>
           </a:p>
@@ -2043,8 +2043,8 @@
         </p:nvSpPr>
         <p:spPr>
           <a:xfrm>
-            <a:off x="457200" y="273050"/>
-            <a:ext cx="3008313" cy="1162050"/>
+            <a:off x="457201" y="204787"/>
+            <a:ext cx="3008313" cy="871538"/>
           </a:xfrm>
         </p:spPr>
         <p:txBody>
@@ -2075,8 +2075,8 @@
         </p:nvSpPr>
         <p:spPr>
           <a:xfrm>
-            <a:off x="3575050" y="273050"/>
-            <a:ext cx="5111750" cy="5853113"/>
+            <a:off x="3575050" y="204788"/>
+            <a:ext cx="5111750" cy="4389835"/>
           </a:xfrm>
         </p:spPr>
         <p:txBody>
@@ -2160,8 +2160,8 @@
         </p:nvSpPr>
         <p:spPr>
           <a:xfrm>
-            <a:off x="457200" y="1435100"/>
-            <a:ext cx="3008313" cy="4691063"/>
+            <a:off x="457201" y="1076326"/>
+            <a:ext cx="3008313" cy="3518297"/>
           </a:xfrm>
         </p:spPr>
         <p:txBody>
@@ -2231,7 +2231,7 @@
             <a:fld id="{F449C270-FC28-4AC5-8AFF-223843BA4068}" type="datetimeFigureOut">
               <a:rPr lang="zh-TW" altLang="en-US" smtClean="0"/>
               <a:pPr/>
-              <a:t>2019/3/16</a:t>
+              <a:t>2019/9/7</a:t>
             </a:fld>
             <a:endParaRPr lang="zh-TW" altLang="en-US"/>
           </a:p>
@@ -2317,8 +2317,8 @@
         </p:nvSpPr>
         <p:spPr>
           <a:xfrm>
-            <a:off x="1792288" y="4800600"/>
-            <a:ext cx="5486400" cy="566738"/>
+            <a:off x="1792288" y="3600450"/>
+            <a:ext cx="5486400" cy="425054"/>
           </a:xfrm>
         </p:spPr>
         <p:txBody>
@@ -2349,8 +2349,8 @@
         </p:nvSpPr>
         <p:spPr>
           <a:xfrm>
-            <a:off x="1792288" y="612775"/>
-            <a:ext cx="5486400" cy="4114800"/>
+            <a:off x="1792288" y="459581"/>
+            <a:ext cx="5486400" cy="3086100"/>
           </a:xfrm>
         </p:spPr>
         <p:txBody>
@@ -2414,8 +2414,8 @@
         </p:nvSpPr>
         <p:spPr>
           <a:xfrm>
-            <a:off x="1792288" y="5367338"/>
-            <a:ext cx="5486400" cy="804862"/>
+            <a:off x="1792288" y="4025503"/>
+            <a:ext cx="5486400" cy="603647"/>
           </a:xfrm>
         </p:spPr>
         <p:txBody>
@@ -2485,7 +2485,7 @@
             <a:fld id="{F449C270-FC28-4AC5-8AFF-223843BA4068}" type="datetimeFigureOut">
               <a:rPr lang="zh-TW" altLang="en-US" smtClean="0"/>
               <a:pPr/>
-              <a:t>2019/3/16</a:t>
+              <a:t>2019/9/7</a:t>
             </a:fld>
             <a:endParaRPr lang="zh-TW" altLang="en-US"/>
           </a:p>
@@ -2581,8 +2581,8 @@
         </p:nvSpPr>
         <p:spPr>
           <a:xfrm>
-            <a:off x="457200" y="274638"/>
-            <a:ext cx="8229600" cy="1143000"/>
+            <a:off x="457200" y="205979"/>
+            <a:ext cx="8229600" cy="857250"/>
           </a:xfrm>
           <a:prstGeom prst="rect">
             <a:avLst/>
@@ -2614,8 +2614,8 @@
         </p:nvSpPr>
         <p:spPr>
           <a:xfrm>
-            <a:off x="457200" y="1600200"/>
-            <a:ext cx="8229600" cy="4525963"/>
+            <a:off x="457200" y="1200151"/>
+            <a:ext cx="8229600" cy="3394472"/>
           </a:xfrm>
           <a:prstGeom prst="rect">
             <a:avLst/>
@@ -2676,8 +2676,8 @@
         </p:nvSpPr>
         <p:spPr>
           <a:xfrm>
-            <a:off x="457200" y="6356350"/>
-            <a:ext cx="2133600" cy="365125"/>
+            <a:off x="457200" y="4767263"/>
+            <a:ext cx="2133600" cy="273844"/>
           </a:xfrm>
           <a:prstGeom prst="rect">
             <a:avLst/>
@@ -2700,7 +2700,7 @@
             <a:fld id="{F449C270-FC28-4AC5-8AFF-223843BA4068}" type="datetimeFigureOut">
               <a:rPr lang="zh-TW" altLang="en-US" smtClean="0"/>
               <a:pPr/>
-              <a:t>2019/3/16</a:t>
+              <a:t>2019/9/7</a:t>
             </a:fld>
             <a:endParaRPr lang="zh-TW" altLang="en-US"/>
           </a:p>
@@ -2718,8 +2718,8 @@
         </p:nvSpPr>
         <p:spPr>
           <a:xfrm>
-            <a:off x="3124200" y="6356350"/>
-            <a:ext cx="2895600" cy="365125"/>
+            <a:off x="3124200" y="4767263"/>
+            <a:ext cx="2895600" cy="273844"/>
           </a:xfrm>
           <a:prstGeom prst="rect">
             <a:avLst/>
@@ -2755,8 +2755,8 @@
         </p:nvSpPr>
         <p:spPr>
           <a:xfrm>
-            <a:off x="6553200" y="6356350"/>
-            <a:ext cx="2133600" cy="365125"/>
+            <a:off x="6553200" y="4767263"/>
+            <a:ext cx="2133600" cy="273844"/>
           </a:xfrm>
           <a:prstGeom prst="rect">
             <a:avLst/>
@@ -3083,11 +3083,13 @@
         </p:nvSpPr>
         <p:spPr/>
         <p:txBody>
-          <a:bodyPr/>
-          <a:lstStyle/>
-          <a:p>
-            <a:r>
-              <a:rPr lang="zh-TW" altLang="en-US" b="1" dirty="0">
+          <a:bodyPr>
+            <a:normAutofit/>
+          </a:bodyPr>
+          <a:lstStyle/>
+          <a:p>
+            <a:r>
+              <a:rPr lang="zh-TW" altLang="en-US" sz="4000" b="1" dirty="0">
                 <a:solidFill>
                   <a:srgbClr val="000066"/>
                 </a:solidFill>
@@ -3120,7 +3122,7 @@
               <a:buNone/>
             </a:pPr>
             <a:r>
-              <a:rPr lang="zh-TW" altLang="en-US" sz="5400" b="1" dirty="0">
+              <a:rPr lang="zh-TW" altLang="en-US" sz="4800" b="1" dirty="0">
                 <a:solidFill>
                   <a:srgbClr val="000066"/>
                 </a:solidFill>
@@ -3130,7 +3132,7 @@
               <a:t>同來讚美齊共</a:t>
             </a:r>
             <a:r>
-              <a:rPr lang="zh-TW" altLang="en-US" sz="5400" b="1" dirty="0" smtClean="0">
+              <a:rPr lang="zh-TW" altLang="en-US" sz="4800" b="1" dirty="0" smtClean="0">
                 <a:solidFill>
                   <a:srgbClr val="000066"/>
                 </a:solidFill>
@@ -3140,7 +3142,7 @@
               <a:t>唱  哈</a:t>
             </a:r>
             <a:r>
-              <a:rPr lang="zh-TW" altLang="en-US" sz="5400" b="1" dirty="0">
+              <a:rPr lang="zh-TW" altLang="en-US" sz="4800" b="1" dirty="0">
                 <a:solidFill>
                   <a:srgbClr val="000066"/>
                 </a:solidFill>
@@ -3150,7 +3152,7 @@
               <a:t>利路</a:t>
             </a:r>
             <a:r>
-              <a:rPr lang="zh-TW" altLang="en-US" sz="5400" b="1" dirty="0" smtClean="0">
+              <a:rPr lang="zh-TW" altLang="en-US" sz="4800" b="1" dirty="0" smtClean="0">
                 <a:solidFill>
                   <a:srgbClr val="000066"/>
                 </a:solidFill>
@@ -3159,7 +3161,7 @@
               </a:rPr>
               <a:t>亞</a:t>
             </a:r>
-            <a:endParaRPr lang="en-US" altLang="zh-TW" sz="5400" b="1" dirty="0" smtClean="0">
+            <a:endParaRPr lang="en-US" altLang="zh-TW" sz="4800" b="1" dirty="0" smtClean="0">
               <a:solidFill>
                 <a:srgbClr val="000066"/>
               </a:solidFill>
@@ -3172,7 +3174,7 @@
               <a:buNone/>
             </a:pPr>
             <a:r>
-              <a:rPr lang="zh-TW" altLang="en-US" sz="5400" b="1" dirty="0" smtClean="0">
+              <a:rPr lang="zh-TW" altLang="en-US" sz="4800" b="1" dirty="0" smtClean="0">
                 <a:solidFill>
                   <a:srgbClr val="000066"/>
                 </a:solidFill>
@@ -3182,7 +3184,7 @@
               <a:t>唱</a:t>
             </a:r>
             <a:r>
-              <a:rPr lang="zh-TW" altLang="en-US" sz="5400" b="1" dirty="0">
+              <a:rPr lang="zh-TW" altLang="en-US" sz="4800" b="1" dirty="0">
                 <a:solidFill>
                   <a:srgbClr val="000066"/>
                 </a:solidFill>
@@ -3192,7 +3194,7 @@
               <a:t>出生命的</a:t>
             </a:r>
             <a:r>
-              <a:rPr lang="zh-TW" altLang="en-US" sz="5400" b="1" dirty="0" smtClean="0">
+              <a:rPr lang="zh-TW" altLang="en-US" sz="4800" b="1" dirty="0" smtClean="0">
                 <a:solidFill>
                   <a:srgbClr val="000066"/>
                 </a:solidFill>
@@ -3201,7 +3203,7 @@
               </a:rPr>
               <a:t>歌</a:t>
             </a:r>
-            <a:endParaRPr lang="en-US" altLang="zh-TW" sz="5400" b="1" dirty="0" smtClean="0">
+            <a:endParaRPr lang="en-US" altLang="zh-TW" sz="4800" b="1" dirty="0" smtClean="0">
               <a:solidFill>
                 <a:srgbClr val="000066"/>
               </a:solidFill>
@@ -3214,7 +3216,7 @@
               <a:buNone/>
             </a:pPr>
             <a:r>
-              <a:rPr lang="zh-TW" altLang="en-US" sz="5400" b="1" dirty="0" smtClean="0">
+              <a:rPr lang="zh-TW" altLang="en-US" sz="4800" b="1" dirty="0" smtClean="0">
                 <a:solidFill>
                   <a:srgbClr val="000066"/>
                 </a:solidFill>
@@ -3224,7 +3226,7 @@
               <a:t>同</a:t>
             </a:r>
             <a:r>
-              <a:rPr lang="zh-TW" altLang="en-US" sz="5400" b="1" dirty="0">
+              <a:rPr lang="zh-TW" altLang="en-US" sz="4800" b="1" dirty="0">
                 <a:solidFill>
                   <a:srgbClr val="000066"/>
                 </a:solidFill>
@@ -3234,7 +3236,7 @@
               <a:t>來讚美齊共</a:t>
             </a:r>
             <a:r>
-              <a:rPr lang="zh-TW" altLang="en-US" sz="5400" b="1" dirty="0" smtClean="0">
+              <a:rPr lang="zh-TW" altLang="en-US" sz="4800" b="1" dirty="0" smtClean="0">
                 <a:solidFill>
                   <a:srgbClr val="000066"/>
                 </a:solidFill>
@@ -3244,7 +3246,7 @@
               <a:t>唱</a:t>
             </a:r>
             <a:r>
-              <a:rPr lang="en-US" altLang="zh-TW" sz="5400" b="1" dirty="0" smtClean="0">
+              <a:rPr lang="en-US" altLang="zh-TW" sz="4800" b="1" dirty="0" smtClean="0">
                 <a:solidFill>
                   <a:srgbClr val="000066"/>
                 </a:solidFill>
@@ -3254,7 +3256,7 @@
               <a:t>  </a:t>
             </a:r>
             <a:r>
-              <a:rPr lang="zh-TW" altLang="en-US" sz="5400" b="1" dirty="0" smtClean="0">
+              <a:rPr lang="zh-TW" altLang="en-US" sz="4800" b="1" dirty="0" smtClean="0">
                 <a:solidFill>
                   <a:srgbClr val="000066"/>
                 </a:solidFill>
@@ -3264,7 +3266,7 @@
               <a:t>哈</a:t>
             </a:r>
             <a:r>
-              <a:rPr lang="zh-TW" altLang="en-US" sz="5400" b="1" dirty="0">
+              <a:rPr lang="zh-TW" altLang="en-US" sz="4800" b="1" dirty="0">
                 <a:solidFill>
                   <a:srgbClr val="000066"/>
                 </a:solidFill>
@@ -3274,7 +3276,7 @@
               <a:t>利路</a:t>
             </a:r>
             <a:r>
-              <a:rPr lang="zh-TW" altLang="en-US" sz="5400" b="1" dirty="0" smtClean="0">
+              <a:rPr lang="zh-TW" altLang="en-US" sz="4800" b="1" dirty="0" smtClean="0">
                 <a:solidFill>
                   <a:srgbClr val="000066"/>
                 </a:solidFill>
@@ -3283,7 +3285,7 @@
               </a:rPr>
               <a:t>亞  </a:t>
             </a:r>
-            <a:endParaRPr lang="en-US" altLang="zh-TW" sz="5400" b="1" smtClean="0">
+            <a:endParaRPr lang="en-US" altLang="zh-TW" sz="4800" b="1" dirty="0" smtClean="0">
               <a:solidFill>
                 <a:srgbClr val="000066"/>
               </a:solidFill>
@@ -3296,7 +3298,7 @@
               <a:buNone/>
             </a:pPr>
             <a:r>
-              <a:rPr lang="zh-TW" altLang="en-US" sz="5400" b="1" smtClean="0">
+              <a:rPr lang="zh-TW" altLang="en-US" sz="4800" b="1" dirty="0" smtClean="0">
                 <a:solidFill>
                   <a:srgbClr val="000066"/>
                 </a:solidFill>
@@ -3306,7 +3308,7 @@
               <a:t>唱</a:t>
             </a:r>
             <a:r>
-              <a:rPr lang="zh-TW" altLang="en-US" sz="5400" b="1" dirty="0">
+              <a:rPr lang="zh-TW" altLang="en-US" sz="4800" b="1" dirty="0">
                 <a:solidFill>
                   <a:srgbClr val="000066"/>
                 </a:solidFill>
@@ -3316,7 +3318,7 @@
               <a:t>出生命的</a:t>
             </a:r>
             <a:r>
-              <a:rPr lang="zh-TW" altLang="en-US" sz="5400" b="1" dirty="0" smtClean="0">
+              <a:rPr lang="zh-TW" altLang="en-US" sz="4800" b="1" dirty="0" smtClean="0">
                 <a:solidFill>
                   <a:srgbClr val="000066"/>
                 </a:solidFill>
@@ -3325,7 +3327,7 @@
               </a:rPr>
               <a:t>歌</a:t>
             </a:r>
-            <a:endParaRPr lang="zh-TW" altLang="en-US" sz="5400" b="1" dirty="0">
+            <a:endParaRPr lang="zh-TW" altLang="en-US" sz="4800" b="1" dirty="0">
               <a:solidFill>
                 <a:srgbClr val="000066"/>
               </a:solidFill>
@@ -3372,11 +3374,13 @@
         </p:nvSpPr>
         <p:spPr/>
         <p:txBody>
-          <a:bodyPr/>
-          <a:lstStyle/>
-          <a:p>
-            <a:r>
-              <a:rPr lang="zh-TW" altLang="en-US" b="1" dirty="0">
+          <a:bodyPr>
+            <a:normAutofit/>
+          </a:bodyPr>
+          <a:lstStyle/>
+          <a:p>
+            <a:r>
+              <a:rPr lang="zh-TW" altLang="en-US" sz="4000" b="1" dirty="0">
                 <a:solidFill>
                   <a:srgbClr val="000066"/>
                 </a:solidFill>
@@ -3409,7 +3413,7 @@
               <a:buNone/>
             </a:pPr>
             <a:r>
-              <a:rPr lang="zh-TW" altLang="en-US" sz="5400" b="1" dirty="0" smtClean="0">
+              <a:rPr lang="zh-TW" altLang="en-US" sz="4800" b="1" dirty="0">
                 <a:solidFill>
                   <a:srgbClr val="000066"/>
                 </a:solidFill>
@@ -3419,7 +3423,7 @@
               <a:t>懷著滿信念</a:t>
             </a:r>
             <a:r>
-              <a:rPr lang="en-US" altLang="zh-TW" sz="5400" b="1" dirty="0" smtClean="0">
+              <a:rPr lang="en-US" altLang="zh-TW" sz="4800" b="1" dirty="0">
                 <a:solidFill>
                   <a:srgbClr val="000066"/>
                 </a:solidFill>
@@ -3429,7 +3433,7 @@
               <a:t>  </a:t>
             </a:r>
             <a:r>
-              <a:rPr lang="zh-TW" altLang="en-US" sz="5400" b="1" dirty="0" smtClean="0">
+              <a:rPr lang="zh-TW" altLang="en-US" sz="4800" b="1" dirty="0">
                 <a:solidFill>
                   <a:srgbClr val="000066"/>
                 </a:solidFill>
@@ -3438,7 +3442,7 @@
               </a:rPr>
               <a:t>一生不改變</a:t>
             </a:r>
-            <a:endParaRPr lang="en-US" altLang="zh-TW" sz="5400" b="1" dirty="0" smtClean="0">
+            <a:endParaRPr lang="en-US" altLang="zh-TW" sz="4800" b="1" dirty="0">
               <a:solidFill>
                 <a:srgbClr val="000066"/>
               </a:solidFill>
@@ -3451,7 +3455,7 @@
               <a:buNone/>
             </a:pPr>
             <a:r>
-              <a:rPr lang="zh-TW" altLang="en-US" sz="5400" b="1" dirty="0" smtClean="0">
+              <a:rPr lang="zh-TW" altLang="en-US" sz="4800" b="1" dirty="0">
                 <a:solidFill>
                   <a:srgbClr val="000066"/>
                 </a:solidFill>
@@ -3460,7 +3464,7 @@
               </a:rPr>
               <a:t>靠恩主引導每天</a:t>
             </a:r>
-            <a:endParaRPr lang="en-US" altLang="zh-TW" sz="5400" b="1" dirty="0" smtClean="0">
+            <a:endParaRPr lang="en-US" altLang="zh-TW" sz="4800" b="1" dirty="0">
               <a:solidFill>
                 <a:srgbClr val="000066"/>
               </a:solidFill>
@@ -3473,7 +3477,7 @@
               <a:buNone/>
             </a:pPr>
             <a:r>
-              <a:rPr lang="zh-TW" altLang="en-US" sz="5400" b="1" dirty="0" smtClean="0">
+              <a:rPr lang="zh-TW" altLang="en-US" sz="4800" b="1" dirty="0">
                 <a:solidFill>
                   <a:srgbClr val="000066"/>
                 </a:solidFill>
@@ -3482,7 +3486,7 @@
               </a:rPr>
               <a:t>前路滿盼望  歡欣將心獻</a:t>
             </a:r>
-            <a:endParaRPr lang="en-US" altLang="zh-TW" sz="5400" b="1" dirty="0" smtClean="0">
+            <a:endParaRPr lang="en-US" altLang="zh-TW" sz="4800" b="1" dirty="0">
               <a:solidFill>
                 <a:srgbClr val="000066"/>
               </a:solidFill>
@@ -3495,7 +3499,7 @@
               <a:buNone/>
             </a:pPr>
             <a:r>
-              <a:rPr lang="zh-TW" altLang="en-US" sz="5400" b="1" dirty="0" smtClean="0">
+              <a:rPr lang="zh-TW" altLang="en-US" sz="4800" b="1" dirty="0">
                 <a:solidFill>
                   <a:srgbClr val="000066"/>
                 </a:solidFill>
@@ -3544,11 +3548,13 @@
         </p:nvSpPr>
         <p:spPr/>
         <p:txBody>
-          <a:bodyPr/>
-          <a:lstStyle/>
-          <a:p>
-            <a:r>
-              <a:rPr lang="zh-TW" altLang="en-US" b="1" dirty="0">
+          <a:bodyPr>
+            <a:normAutofit/>
+          </a:bodyPr>
+          <a:lstStyle/>
+          <a:p>
+            <a:r>
+              <a:rPr lang="zh-TW" altLang="en-US" sz="4000" b="1" dirty="0">
                 <a:solidFill>
                   <a:srgbClr val="000066"/>
                 </a:solidFill>
@@ -3581,7 +3587,7 @@
               <a:buNone/>
             </a:pPr>
             <a:r>
-              <a:rPr lang="zh-TW" altLang="en-US" sz="5400" b="1" dirty="0">
+              <a:rPr lang="zh-TW" altLang="en-US" sz="4800" b="1" dirty="0">
                 <a:solidFill>
                   <a:srgbClr val="000066"/>
                 </a:solidFill>
@@ -3591,7 +3597,7 @@
               <a:t>同來讚美齊</a:t>
             </a:r>
             <a:r>
-              <a:rPr lang="zh-TW" altLang="en-US" sz="5400" b="1" dirty="0" smtClean="0">
+              <a:rPr lang="zh-TW" altLang="en-US" sz="4800" b="1" dirty="0">
                 <a:solidFill>
                   <a:srgbClr val="000066"/>
                 </a:solidFill>
@@ -3601,7 +3607,7 @@
               <a:t>共</a:t>
             </a:r>
             <a:r>
-              <a:rPr lang="zh-CN" altLang="en-US" sz="5400" b="1" dirty="0" smtClean="0">
+              <a:rPr lang="zh-CN" altLang="en-US" sz="4800" b="1" dirty="0">
                 <a:solidFill>
                   <a:srgbClr val="000066"/>
                 </a:solidFill>
@@ -3611,27 +3617,17 @@
               <a:t>跳</a:t>
             </a:r>
             <a:r>
-              <a:rPr lang="zh-TW" altLang="en-US" sz="5400" b="1" dirty="0" smtClean="0">
-                <a:solidFill>
-                  <a:srgbClr val="000066"/>
-                </a:solidFill>
-                <a:latin typeface="微軟正黑體" pitchFamily="34" charset="-120"/>
-                <a:ea typeface="微軟正黑體" pitchFamily="34" charset="-120"/>
-              </a:rPr>
-              <a:t>  </a:t>
-            </a:r>
-            <a:r>
-              <a:rPr lang="zh-TW" altLang="en-US" sz="5400" b="1" dirty="0" smtClean="0">
-                <a:solidFill>
-                  <a:srgbClr val="000066"/>
-                </a:solidFill>
-                <a:latin typeface="微軟正黑體" pitchFamily="34" charset="-120"/>
-                <a:ea typeface="微軟正黑體" pitchFamily="34" charset="-120"/>
-              </a:rPr>
-              <a:t>哈</a:t>
-            </a:r>
-            <a:r>
-              <a:rPr lang="zh-TW" altLang="en-US" sz="5400" b="1" dirty="0">
+              <a:rPr lang="zh-TW" altLang="en-US" sz="4800" b="1" dirty="0">
+                <a:solidFill>
+                  <a:srgbClr val="000066"/>
+                </a:solidFill>
+                <a:latin typeface="微軟正黑體" pitchFamily="34" charset="-120"/>
+                <a:ea typeface="微軟正黑體" pitchFamily="34" charset="-120"/>
+              </a:rPr>
+              <a:t>  哈</a:t>
+            </a:r>
+            <a:r>
+              <a:rPr lang="zh-TW" altLang="en-US" sz="4800" b="1" dirty="0">
                 <a:solidFill>
                   <a:srgbClr val="000066"/>
                 </a:solidFill>
@@ -3641,7 +3637,7 @@
               <a:t>利路</a:t>
             </a:r>
             <a:r>
-              <a:rPr lang="zh-TW" altLang="en-US" sz="5400" b="1" dirty="0" smtClean="0">
+              <a:rPr lang="zh-TW" altLang="en-US" sz="4800" b="1" dirty="0">
                 <a:solidFill>
                   <a:srgbClr val="000066"/>
                 </a:solidFill>
@@ -3650,7 +3646,7 @@
               </a:rPr>
               <a:t>亞</a:t>
             </a:r>
-            <a:endParaRPr lang="en-US" altLang="zh-TW" sz="5400" b="1" dirty="0" smtClean="0">
+            <a:endParaRPr lang="en-US" altLang="zh-TW" sz="4800" b="1" dirty="0">
               <a:solidFill>
                 <a:srgbClr val="000066"/>
               </a:solidFill>
@@ -3663,7 +3659,7 @@
               <a:buNone/>
             </a:pPr>
             <a:r>
-              <a:rPr lang="zh-CN" altLang="en-US" sz="5400" b="1" dirty="0" smtClean="0">
+              <a:rPr lang="zh-CN" altLang="en-US" sz="4800" b="1" dirty="0">
                 <a:solidFill>
                   <a:srgbClr val="000066"/>
                 </a:solidFill>
@@ -3673,7 +3669,7 @@
               <a:t>跳</a:t>
             </a:r>
             <a:r>
-              <a:rPr lang="zh-TW" altLang="en-US" sz="5400" b="1" dirty="0" smtClean="0">
+              <a:rPr lang="zh-TW" altLang="en-US" sz="4800" b="1" dirty="0">
                 <a:solidFill>
                   <a:srgbClr val="000066"/>
                 </a:solidFill>
@@ -3683,7 +3679,7 @@
               <a:t>出</a:t>
             </a:r>
             <a:r>
-              <a:rPr lang="zh-TW" altLang="en-US" sz="5400" b="1" dirty="0">
+              <a:rPr lang="zh-TW" altLang="en-US" sz="4800" b="1" dirty="0">
                 <a:solidFill>
                   <a:srgbClr val="000066"/>
                 </a:solidFill>
@@ -3693,7 +3689,7 @@
               <a:t>生命</a:t>
             </a:r>
             <a:r>
-              <a:rPr lang="zh-TW" altLang="en-US" sz="5400" b="1" dirty="0" smtClean="0">
+              <a:rPr lang="zh-TW" altLang="en-US" sz="4800" b="1" dirty="0">
                 <a:solidFill>
                   <a:srgbClr val="000066"/>
                 </a:solidFill>
@@ -3703,7 +3699,7 @@
               <a:t>的</a:t>
             </a:r>
             <a:r>
-              <a:rPr lang="zh-CN" altLang="en-US" sz="5400" b="1" dirty="0" smtClean="0">
+              <a:rPr lang="zh-CN" altLang="en-US" sz="4800" b="1" dirty="0">
                 <a:solidFill>
                   <a:srgbClr val="000066"/>
                 </a:solidFill>
@@ -3712,7 +3708,7 @@
               </a:rPr>
               <a:t>舞</a:t>
             </a:r>
-            <a:endParaRPr lang="en-US" altLang="zh-TW" sz="5400" b="1" dirty="0" smtClean="0">
+            <a:endParaRPr lang="en-US" altLang="zh-TW" sz="4800" b="1" dirty="0">
               <a:solidFill>
                 <a:srgbClr val="000066"/>
               </a:solidFill>
@@ -3725,7 +3721,7 @@
               <a:buNone/>
             </a:pPr>
             <a:r>
-              <a:rPr lang="zh-TW" altLang="en-US" sz="5400" b="1" dirty="0" smtClean="0">
+              <a:rPr lang="zh-TW" altLang="en-US" sz="4800" b="1" dirty="0">
                 <a:solidFill>
                   <a:srgbClr val="000066"/>
                 </a:solidFill>
@@ -3735,7 +3731,7 @@
               <a:t>同</a:t>
             </a:r>
             <a:r>
-              <a:rPr lang="zh-TW" altLang="en-US" sz="5400" b="1" dirty="0">
+              <a:rPr lang="zh-TW" altLang="en-US" sz="4800" b="1" dirty="0">
                 <a:solidFill>
                   <a:srgbClr val="000066"/>
                 </a:solidFill>
@@ -3745,7 +3741,7 @@
               <a:t>來讚美齊</a:t>
             </a:r>
             <a:r>
-              <a:rPr lang="zh-TW" altLang="en-US" sz="5400" b="1" dirty="0" smtClean="0">
+              <a:rPr lang="zh-TW" altLang="en-US" sz="4800" b="1" dirty="0">
                 <a:solidFill>
                   <a:srgbClr val="000066"/>
                 </a:solidFill>
@@ -3755,7 +3751,7 @@
               <a:t>共</a:t>
             </a:r>
             <a:r>
-              <a:rPr lang="zh-CN" altLang="en-US" sz="5400" b="1" dirty="0" smtClean="0">
+              <a:rPr lang="zh-CN" altLang="en-US" sz="4800" b="1" dirty="0">
                 <a:solidFill>
                   <a:srgbClr val="000066"/>
                 </a:solidFill>
@@ -3765,7 +3761,7 @@
               <a:t>跳</a:t>
             </a:r>
             <a:r>
-              <a:rPr lang="en-US" altLang="zh-CN" sz="5400" b="1" dirty="0" smtClean="0">
+              <a:rPr lang="en-US" altLang="zh-CN" sz="4800" b="1" dirty="0">
                 <a:solidFill>
                   <a:srgbClr val="000066"/>
                 </a:solidFill>
@@ -3775,7 +3771,7 @@
               <a:t>  </a:t>
             </a:r>
             <a:r>
-              <a:rPr lang="zh-TW" altLang="en-US" sz="5400" b="1" dirty="0" smtClean="0">
+              <a:rPr lang="zh-TW" altLang="en-US" sz="4800" b="1" dirty="0">
                 <a:solidFill>
                   <a:srgbClr val="000066"/>
                 </a:solidFill>
@@ -3785,7 +3781,7 @@
               <a:t>哈</a:t>
             </a:r>
             <a:r>
-              <a:rPr lang="zh-TW" altLang="en-US" sz="5400" b="1" dirty="0">
+              <a:rPr lang="zh-TW" altLang="en-US" sz="4800" b="1" dirty="0">
                 <a:solidFill>
                   <a:srgbClr val="000066"/>
                 </a:solidFill>
@@ -3795,7 +3791,7 @@
               <a:t>利路</a:t>
             </a:r>
             <a:r>
-              <a:rPr lang="zh-TW" altLang="en-US" sz="5400" b="1" dirty="0" smtClean="0">
+              <a:rPr lang="zh-TW" altLang="en-US" sz="4800" b="1" dirty="0">
                 <a:solidFill>
                   <a:srgbClr val="000066"/>
                 </a:solidFill>
@@ -3804,7 +3800,7 @@
               </a:rPr>
               <a:t>亞</a:t>
             </a:r>
-            <a:endParaRPr lang="en-US" altLang="zh-TW" sz="5400" b="1" dirty="0" smtClean="0">
+            <a:endParaRPr lang="en-US" altLang="zh-TW" sz="4800" b="1" dirty="0">
               <a:solidFill>
                 <a:srgbClr val="000066"/>
               </a:solidFill>
@@ -3817,7 +3813,7 @@
               <a:buNone/>
             </a:pPr>
             <a:r>
-              <a:rPr lang="zh-CN" altLang="en-US" sz="5400" b="1" dirty="0" smtClean="0">
+              <a:rPr lang="zh-CN" altLang="en-US" sz="4800" b="1" dirty="0">
                 <a:solidFill>
                   <a:srgbClr val="000066"/>
                 </a:solidFill>
@@ -3827,7 +3823,7 @@
               <a:t>跳</a:t>
             </a:r>
             <a:r>
-              <a:rPr lang="zh-TW" altLang="en-US" sz="5400" b="1" dirty="0" smtClean="0">
+              <a:rPr lang="zh-TW" altLang="en-US" sz="4800" b="1" dirty="0">
                 <a:solidFill>
                   <a:srgbClr val="000066"/>
                 </a:solidFill>
@@ -3837,7 +3833,7 @@
               <a:t>出</a:t>
             </a:r>
             <a:r>
-              <a:rPr lang="zh-TW" altLang="en-US" sz="5400" b="1" dirty="0">
+              <a:rPr lang="zh-TW" altLang="en-US" sz="4800" b="1" dirty="0">
                 <a:solidFill>
                   <a:srgbClr val="000066"/>
                 </a:solidFill>
@@ -3847,7 +3843,7 @@
               <a:t>生命的</a:t>
             </a:r>
             <a:r>
-              <a:rPr lang="zh-TW" altLang="en-US" sz="5400" b="1" dirty="0" smtClean="0">
+              <a:rPr lang="zh-TW" altLang="en-US" sz="4800" b="1" dirty="0">
                 <a:solidFill>
                   <a:srgbClr val="000066"/>
                 </a:solidFill>
@@ -3856,7 +3852,7 @@
               </a:rPr>
               <a:t>歌</a:t>
             </a:r>
-            <a:endParaRPr lang="zh-TW" altLang="en-US" sz="5400" b="1" dirty="0">
+            <a:endParaRPr lang="zh-TW" altLang="en-US" sz="4800" b="1" dirty="0">
               <a:solidFill>
                 <a:srgbClr val="000066"/>
               </a:solidFill>
@@ -3903,11 +3899,13 @@
         </p:nvSpPr>
         <p:spPr/>
         <p:txBody>
-          <a:bodyPr/>
-          <a:lstStyle/>
-          <a:p>
-            <a:r>
-              <a:rPr lang="zh-TW" altLang="en-US" b="1" dirty="0">
+          <a:bodyPr>
+            <a:normAutofit/>
+          </a:bodyPr>
+          <a:lstStyle/>
+          <a:p>
+            <a:r>
+              <a:rPr lang="zh-TW" altLang="en-US" sz="4000" b="1" dirty="0">
                 <a:solidFill>
                   <a:srgbClr val="000066"/>
                 </a:solidFill>
@@ -3940,7 +3938,7 @@
               <a:buNone/>
             </a:pPr>
             <a:r>
-              <a:rPr lang="zh-TW" altLang="en-US" sz="5400" b="1" dirty="0" smtClean="0">
+              <a:rPr lang="zh-TW" altLang="en-US" sz="4800" b="1" dirty="0">
                 <a:solidFill>
                   <a:srgbClr val="000066"/>
                 </a:solidFill>
@@ -3950,7 +3948,7 @@
               <a:t>懷著滿信念</a:t>
             </a:r>
             <a:r>
-              <a:rPr lang="en-US" altLang="zh-TW" sz="5400" b="1" dirty="0" smtClean="0">
+              <a:rPr lang="en-US" altLang="zh-TW" sz="4800" b="1" dirty="0">
                 <a:solidFill>
                   <a:srgbClr val="000066"/>
                 </a:solidFill>
@@ -3960,7 +3958,7 @@
               <a:t>  </a:t>
             </a:r>
             <a:r>
-              <a:rPr lang="zh-TW" altLang="en-US" sz="5400" b="1" dirty="0" smtClean="0">
+              <a:rPr lang="zh-TW" altLang="en-US" sz="4800" b="1" dirty="0">
                 <a:solidFill>
                   <a:srgbClr val="000066"/>
                 </a:solidFill>
@@ -3969,7 +3967,7 @@
               </a:rPr>
               <a:t>一生不改變</a:t>
             </a:r>
-            <a:endParaRPr lang="en-US" altLang="zh-TW" sz="5400" b="1" dirty="0" smtClean="0">
+            <a:endParaRPr lang="en-US" altLang="zh-TW" sz="4800" b="1" dirty="0">
               <a:solidFill>
                 <a:srgbClr val="000066"/>
               </a:solidFill>
@@ -3982,7 +3980,7 @@
               <a:buNone/>
             </a:pPr>
             <a:r>
-              <a:rPr lang="zh-TW" altLang="en-US" sz="5400" b="1" dirty="0" smtClean="0">
+              <a:rPr lang="zh-TW" altLang="en-US" sz="4800" b="1" dirty="0">
                 <a:solidFill>
                   <a:srgbClr val="000066"/>
                 </a:solidFill>
@@ -3991,7 +3989,7 @@
               </a:rPr>
               <a:t>靠恩主引導每天</a:t>
             </a:r>
-            <a:endParaRPr lang="en-US" altLang="zh-TW" sz="5400" b="1" dirty="0" smtClean="0">
+            <a:endParaRPr lang="en-US" altLang="zh-TW" sz="4800" b="1" dirty="0">
               <a:solidFill>
                 <a:srgbClr val="000066"/>
               </a:solidFill>
@@ -4004,7 +4002,7 @@
               <a:buNone/>
             </a:pPr>
             <a:r>
-              <a:rPr lang="zh-TW" altLang="en-US" sz="5400" b="1" dirty="0" smtClean="0">
+              <a:rPr lang="zh-TW" altLang="en-US" sz="4800" b="1" dirty="0">
                 <a:solidFill>
                   <a:srgbClr val="000066"/>
                 </a:solidFill>
@@ -4013,7 +4011,7 @@
               </a:rPr>
               <a:t>前路滿盼望  歡欣將心獻</a:t>
             </a:r>
-            <a:endParaRPr lang="en-US" altLang="zh-TW" sz="5400" b="1" dirty="0" smtClean="0">
+            <a:endParaRPr lang="en-US" altLang="zh-TW" sz="4800" b="1" dirty="0">
               <a:solidFill>
                 <a:srgbClr val="000066"/>
               </a:solidFill>
@@ -4026,7 +4024,7 @@
               <a:buNone/>
             </a:pPr>
             <a:r>
-              <a:rPr lang="zh-TW" altLang="en-US" sz="5400" b="1" dirty="0" smtClean="0">
+              <a:rPr lang="zh-TW" altLang="en-US" sz="4800" b="1" dirty="0">
                 <a:solidFill>
                   <a:srgbClr val="000066"/>
                 </a:solidFill>
